--- a/ppt 16-9/0534.妙爱找我.pptx
+++ b/ppt 16-9/0534.妙爱找我.pptx
@@ -5,7 +5,7 @@
     <p:sldMasterId id="2147483648" r:id="rId1"/>
   </p:sldMasterIdLst>
   <p:sldIdLst>
-    <p:sldId id="2275" r:id="rId2"/>
+    <p:sldId id="2276" r:id="rId2"/>
   </p:sldIdLst>
   <p:sldSz cx="12192000" cy="6858000"/>
   <p:notesSz cx="6858000" cy="9144000"/>
@@ -129,7 +129,7 @@
           <p:cNvPr id="2" name="标题 1">
             <a:extLst>
               <a:ext uri="{FF2B5EF4-FFF2-40B4-BE49-F238E27FC236}">
-                <a16:creationId xmlns:a16="http://schemas.microsoft.com/office/drawing/2014/main" id="{B9DA8852-1459-24EE-CDE0-8A893CF80AD3}"/>
+                <a16:creationId xmlns:a16="http://schemas.microsoft.com/office/drawing/2014/main" id="{8218C0B3-5BF5-3E29-7CF5-868D24B899E6}"/>
               </a:ext>
             </a:extLst>
           </p:cNvPr>
@@ -166,7 +166,7 @@
           <p:cNvPr id="3" name="副标题 2">
             <a:extLst>
               <a:ext uri="{FF2B5EF4-FFF2-40B4-BE49-F238E27FC236}">
-                <a16:creationId xmlns:a16="http://schemas.microsoft.com/office/drawing/2014/main" id="{43167509-8D8B-9200-0B66-82AAD6631D33}"/>
+                <a16:creationId xmlns:a16="http://schemas.microsoft.com/office/drawing/2014/main" id="{73D18CFB-41CD-2CB2-19CF-525E62F3F508}"/>
               </a:ext>
             </a:extLst>
           </p:cNvPr>
@@ -236,7 +236,7 @@
           <p:cNvPr id="4" name="日期占位符 3">
             <a:extLst>
               <a:ext uri="{FF2B5EF4-FFF2-40B4-BE49-F238E27FC236}">
-                <a16:creationId xmlns:a16="http://schemas.microsoft.com/office/drawing/2014/main" id="{8336C8BC-BE3E-DE6D-A119-CC930886FDAD}"/>
+                <a16:creationId xmlns:a16="http://schemas.microsoft.com/office/drawing/2014/main" id="{8E2E459D-ECE9-07A6-6226-B1711F8BB124}"/>
               </a:ext>
             </a:extLst>
           </p:cNvPr>
@@ -252,7 +252,7 @@
           <a:bodyPr/>
           <a:lstStyle/>
           <a:p>
-            <a:fld id="{1CFAD40B-9D25-4A3D-94E9-802B107147B1}" type="datetimeFigureOut">
+            <a:fld id="{A2430DB6-E6D0-4A4F-BCEC-E3B4BAD4F360}" type="datetimeFigureOut">
               <a:rPr lang="zh-CN" altLang="en-US" smtClean="0"/>
               <a:t>2024/3/10</a:t>
             </a:fld>
@@ -265,7 +265,7 @@
           <p:cNvPr id="5" name="页脚占位符 4">
             <a:extLst>
               <a:ext uri="{FF2B5EF4-FFF2-40B4-BE49-F238E27FC236}">
-                <a16:creationId xmlns:a16="http://schemas.microsoft.com/office/drawing/2014/main" id="{C204F890-BE8F-2248-42A6-A6A201310767}"/>
+                <a16:creationId xmlns:a16="http://schemas.microsoft.com/office/drawing/2014/main" id="{1C122803-B80C-8972-DD26-B92985D18A09}"/>
               </a:ext>
             </a:extLst>
           </p:cNvPr>
@@ -290,7 +290,7 @@
           <p:cNvPr id="6" name="灯片编号占位符 5">
             <a:extLst>
               <a:ext uri="{FF2B5EF4-FFF2-40B4-BE49-F238E27FC236}">
-                <a16:creationId xmlns:a16="http://schemas.microsoft.com/office/drawing/2014/main" id="{046065AA-2F1F-DE19-C479-349AB24B5215}"/>
+                <a16:creationId xmlns:a16="http://schemas.microsoft.com/office/drawing/2014/main" id="{8945319F-CE38-67EE-C08E-D364B11B39DD}"/>
               </a:ext>
             </a:extLst>
           </p:cNvPr>
@@ -306,7 +306,7 @@
           <a:bodyPr/>
           <a:lstStyle/>
           <a:p>
-            <a:fld id="{7508B7FF-0E9A-4CEC-87E3-6C7F1F4D2838}" type="slidenum">
+            <a:fld id="{81FAD25A-CCA3-4534-921A-BE780B1722BF}" type="slidenum">
               <a:rPr lang="zh-CN" altLang="en-US" smtClean="0"/>
               <a:t>‹#›</a:t>
             </a:fld>
@@ -317,7 +317,7 @@
     </p:spTree>
     <p:extLst>
       <p:ext uri="{BB962C8B-B14F-4D97-AF65-F5344CB8AC3E}">
-        <p14:creationId xmlns:p14="http://schemas.microsoft.com/office/powerpoint/2010/main" val="2105095609"/>
+        <p14:creationId xmlns:p14="http://schemas.microsoft.com/office/powerpoint/2010/main" val="2221108330"/>
       </p:ext>
     </p:extLst>
   </p:cSld>
@@ -349,7 +349,7 @@
           <p:cNvPr id="2" name="标题 1">
             <a:extLst>
               <a:ext uri="{FF2B5EF4-FFF2-40B4-BE49-F238E27FC236}">
-                <a16:creationId xmlns:a16="http://schemas.microsoft.com/office/drawing/2014/main" id="{52781489-872E-4EDE-445C-511D88878E84}"/>
+                <a16:creationId xmlns:a16="http://schemas.microsoft.com/office/drawing/2014/main" id="{3B2DB670-DC88-BEF5-8398-0311A46A0001}"/>
               </a:ext>
             </a:extLst>
           </p:cNvPr>
@@ -377,7 +377,7 @@
           <p:cNvPr id="3" name="竖排文字占位符 2">
             <a:extLst>
               <a:ext uri="{FF2B5EF4-FFF2-40B4-BE49-F238E27FC236}">
-                <a16:creationId xmlns:a16="http://schemas.microsoft.com/office/drawing/2014/main" id="{98DD5A5D-BADE-3875-FF8D-538E975A5217}"/>
+                <a16:creationId xmlns:a16="http://schemas.microsoft.com/office/drawing/2014/main" id="{064A3BB2-8DEA-90B6-1597-C85B09DF00B1}"/>
               </a:ext>
             </a:extLst>
           </p:cNvPr>
@@ -434,7 +434,7 @@
           <p:cNvPr id="4" name="日期占位符 3">
             <a:extLst>
               <a:ext uri="{FF2B5EF4-FFF2-40B4-BE49-F238E27FC236}">
-                <a16:creationId xmlns:a16="http://schemas.microsoft.com/office/drawing/2014/main" id="{777B1A7F-FDA0-3014-0592-688DB28EC5F8}"/>
+                <a16:creationId xmlns:a16="http://schemas.microsoft.com/office/drawing/2014/main" id="{34094DD6-C52D-88EA-C835-7B220DAE0114}"/>
               </a:ext>
             </a:extLst>
           </p:cNvPr>
@@ -450,7 +450,7 @@
           <a:bodyPr/>
           <a:lstStyle/>
           <a:p>
-            <a:fld id="{1CFAD40B-9D25-4A3D-94E9-802B107147B1}" type="datetimeFigureOut">
+            <a:fld id="{A2430DB6-E6D0-4A4F-BCEC-E3B4BAD4F360}" type="datetimeFigureOut">
               <a:rPr lang="zh-CN" altLang="en-US" smtClean="0"/>
               <a:t>2024/3/10</a:t>
             </a:fld>
@@ -463,7 +463,7 @@
           <p:cNvPr id="5" name="页脚占位符 4">
             <a:extLst>
               <a:ext uri="{FF2B5EF4-FFF2-40B4-BE49-F238E27FC236}">
-                <a16:creationId xmlns:a16="http://schemas.microsoft.com/office/drawing/2014/main" id="{E6A65541-F003-A51B-451F-0729BE45BDAA}"/>
+                <a16:creationId xmlns:a16="http://schemas.microsoft.com/office/drawing/2014/main" id="{39355486-7E2D-5871-6904-AF419F8014DC}"/>
               </a:ext>
             </a:extLst>
           </p:cNvPr>
@@ -488,7 +488,7 @@
           <p:cNvPr id="6" name="灯片编号占位符 5">
             <a:extLst>
               <a:ext uri="{FF2B5EF4-FFF2-40B4-BE49-F238E27FC236}">
-                <a16:creationId xmlns:a16="http://schemas.microsoft.com/office/drawing/2014/main" id="{48B02AAD-7355-BA26-E44A-0D6802BC21F6}"/>
+                <a16:creationId xmlns:a16="http://schemas.microsoft.com/office/drawing/2014/main" id="{3B82B436-5C33-F0FC-6EFA-CB017E62F7B7}"/>
               </a:ext>
             </a:extLst>
           </p:cNvPr>
@@ -504,7 +504,7 @@
           <a:bodyPr/>
           <a:lstStyle/>
           <a:p>
-            <a:fld id="{7508B7FF-0E9A-4CEC-87E3-6C7F1F4D2838}" type="slidenum">
+            <a:fld id="{81FAD25A-CCA3-4534-921A-BE780B1722BF}" type="slidenum">
               <a:rPr lang="zh-CN" altLang="en-US" smtClean="0"/>
               <a:t>‹#›</a:t>
             </a:fld>
@@ -515,7 +515,7 @@
     </p:spTree>
     <p:extLst>
       <p:ext uri="{BB962C8B-B14F-4D97-AF65-F5344CB8AC3E}">
-        <p14:creationId xmlns:p14="http://schemas.microsoft.com/office/powerpoint/2010/main" val="2208925321"/>
+        <p14:creationId xmlns:p14="http://schemas.microsoft.com/office/powerpoint/2010/main" val="547183831"/>
       </p:ext>
     </p:extLst>
   </p:cSld>
@@ -547,7 +547,7 @@
           <p:cNvPr id="2" name="竖排标题 1">
             <a:extLst>
               <a:ext uri="{FF2B5EF4-FFF2-40B4-BE49-F238E27FC236}">
-                <a16:creationId xmlns:a16="http://schemas.microsoft.com/office/drawing/2014/main" id="{62E88255-220B-C1CD-BF88-8422BF7EC1EF}"/>
+                <a16:creationId xmlns:a16="http://schemas.microsoft.com/office/drawing/2014/main" id="{8A0F6A7E-54EE-C0AD-92F5-FE23F59AB0D2}"/>
               </a:ext>
             </a:extLst>
           </p:cNvPr>
@@ -580,7 +580,7 @@
           <p:cNvPr id="3" name="竖排文字占位符 2">
             <a:extLst>
               <a:ext uri="{FF2B5EF4-FFF2-40B4-BE49-F238E27FC236}">
-                <a16:creationId xmlns:a16="http://schemas.microsoft.com/office/drawing/2014/main" id="{1DBD7D5F-8A98-D770-FCE5-3B9A04739412}"/>
+                <a16:creationId xmlns:a16="http://schemas.microsoft.com/office/drawing/2014/main" id="{BDFFA353-BA02-4902-30A5-D6F351766563}"/>
               </a:ext>
             </a:extLst>
           </p:cNvPr>
@@ -642,7 +642,7 @@
           <p:cNvPr id="4" name="日期占位符 3">
             <a:extLst>
               <a:ext uri="{FF2B5EF4-FFF2-40B4-BE49-F238E27FC236}">
-                <a16:creationId xmlns:a16="http://schemas.microsoft.com/office/drawing/2014/main" id="{4DA8CBCE-D377-CFCB-A874-8EB93E1F3E80}"/>
+                <a16:creationId xmlns:a16="http://schemas.microsoft.com/office/drawing/2014/main" id="{B5F16560-D3FC-1EC3-FA72-1A22548FC75B}"/>
               </a:ext>
             </a:extLst>
           </p:cNvPr>
@@ -658,7 +658,7 @@
           <a:bodyPr/>
           <a:lstStyle/>
           <a:p>
-            <a:fld id="{1CFAD40B-9D25-4A3D-94E9-802B107147B1}" type="datetimeFigureOut">
+            <a:fld id="{A2430DB6-E6D0-4A4F-BCEC-E3B4BAD4F360}" type="datetimeFigureOut">
               <a:rPr lang="zh-CN" altLang="en-US" smtClean="0"/>
               <a:t>2024/3/10</a:t>
             </a:fld>
@@ -671,7 +671,7 @@
           <p:cNvPr id="5" name="页脚占位符 4">
             <a:extLst>
               <a:ext uri="{FF2B5EF4-FFF2-40B4-BE49-F238E27FC236}">
-                <a16:creationId xmlns:a16="http://schemas.microsoft.com/office/drawing/2014/main" id="{AC0135F7-61EC-63C4-AD23-3CA6A10561FA}"/>
+                <a16:creationId xmlns:a16="http://schemas.microsoft.com/office/drawing/2014/main" id="{037C98E9-90BB-AEF7-DBA7-E2C62120369D}"/>
               </a:ext>
             </a:extLst>
           </p:cNvPr>
@@ -696,7 +696,7 @@
           <p:cNvPr id="6" name="灯片编号占位符 5">
             <a:extLst>
               <a:ext uri="{FF2B5EF4-FFF2-40B4-BE49-F238E27FC236}">
-                <a16:creationId xmlns:a16="http://schemas.microsoft.com/office/drawing/2014/main" id="{9826BA54-FA4C-3046-6CD0-2A9535898A37}"/>
+                <a16:creationId xmlns:a16="http://schemas.microsoft.com/office/drawing/2014/main" id="{481B2B21-1BB4-8BCF-2A2B-E92893DAF5E3}"/>
               </a:ext>
             </a:extLst>
           </p:cNvPr>
@@ -712,7 +712,7 @@
           <a:bodyPr/>
           <a:lstStyle/>
           <a:p>
-            <a:fld id="{7508B7FF-0E9A-4CEC-87E3-6C7F1F4D2838}" type="slidenum">
+            <a:fld id="{81FAD25A-CCA3-4534-921A-BE780B1722BF}" type="slidenum">
               <a:rPr lang="zh-CN" altLang="en-US" smtClean="0"/>
               <a:t>‹#›</a:t>
             </a:fld>
@@ -723,7 +723,7 @@
     </p:spTree>
     <p:extLst>
       <p:ext uri="{BB962C8B-B14F-4D97-AF65-F5344CB8AC3E}">
-        <p14:creationId xmlns:p14="http://schemas.microsoft.com/office/powerpoint/2010/main" val="2501672103"/>
+        <p14:creationId xmlns:p14="http://schemas.microsoft.com/office/powerpoint/2010/main" val="2070507371"/>
       </p:ext>
     </p:extLst>
   </p:cSld>
@@ -755,7 +755,7 @@
           <p:cNvPr id="2" name="标题 1">
             <a:extLst>
               <a:ext uri="{FF2B5EF4-FFF2-40B4-BE49-F238E27FC236}">
-                <a16:creationId xmlns:a16="http://schemas.microsoft.com/office/drawing/2014/main" id="{52814E3B-4353-7771-85AA-A892EC26AB7A}"/>
+                <a16:creationId xmlns:a16="http://schemas.microsoft.com/office/drawing/2014/main" id="{8B325EC2-66E3-8565-7B32-179F879E1DEC}"/>
               </a:ext>
             </a:extLst>
           </p:cNvPr>
@@ -783,7 +783,7 @@
           <p:cNvPr id="3" name="内容占位符 2">
             <a:extLst>
               <a:ext uri="{FF2B5EF4-FFF2-40B4-BE49-F238E27FC236}">
-                <a16:creationId xmlns:a16="http://schemas.microsoft.com/office/drawing/2014/main" id="{45A1964E-FAEF-75A1-E84D-8DEA19928C2C}"/>
+                <a16:creationId xmlns:a16="http://schemas.microsoft.com/office/drawing/2014/main" id="{98FD0E91-1AD2-566C-2006-D12076D838FB}"/>
               </a:ext>
             </a:extLst>
           </p:cNvPr>
@@ -840,7 +840,7 @@
           <p:cNvPr id="4" name="日期占位符 3">
             <a:extLst>
               <a:ext uri="{FF2B5EF4-FFF2-40B4-BE49-F238E27FC236}">
-                <a16:creationId xmlns:a16="http://schemas.microsoft.com/office/drawing/2014/main" id="{36EEB156-982A-6ED2-3061-A19A5D0B6257}"/>
+                <a16:creationId xmlns:a16="http://schemas.microsoft.com/office/drawing/2014/main" id="{42D2E0A2-EAF6-95A9-22FD-6DA136EA4438}"/>
               </a:ext>
             </a:extLst>
           </p:cNvPr>
@@ -856,7 +856,7 @@
           <a:bodyPr/>
           <a:lstStyle/>
           <a:p>
-            <a:fld id="{1CFAD40B-9D25-4A3D-94E9-802B107147B1}" type="datetimeFigureOut">
+            <a:fld id="{A2430DB6-E6D0-4A4F-BCEC-E3B4BAD4F360}" type="datetimeFigureOut">
               <a:rPr lang="zh-CN" altLang="en-US" smtClean="0"/>
               <a:t>2024/3/10</a:t>
             </a:fld>
@@ -869,7 +869,7 @@
           <p:cNvPr id="5" name="页脚占位符 4">
             <a:extLst>
               <a:ext uri="{FF2B5EF4-FFF2-40B4-BE49-F238E27FC236}">
-                <a16:creationId xmlns:a16="http://schemas.microsoft.com/office/drawing/2014/main" id="{BB020638-7F5C-52FB-AF60-CCF880585903}"/>
+                <a16:creationId xmlns:a16="http://schemas.microsoft.com/office/drawing/2014/main" id="{BD743E7A-0B39-6D19-04E7-2DBDE5917908}"/>
               </a:ext>
             </a:extLst>
           </p:cNvPr>
@@ -894,7 +894,7 @@
           <p:cNvPr id="6" name="灯片编号占位符 5">
             <a:extLst>
               <a:ext uri="{FF2B5EF4-FFF2-40B4-BE49-F238E27FC236}">
-                <a16:creationId xmlns:a16="http://schemas.microsoft.com/office/drawing/2014/main" id="{E705035B-8F36-4BE9-5405-EA9F6D74A480}"/>
+                <a16:creationId xmlns:a16="http://schemas.microsoft.com/office/drawing/2014/main" id="{1D26921F-4293-B3DF-DDF2-E0CF9013FA8C}"/>
               </a:ext>
             </a:extLst>
           </p:cNvPr>
@@ -910,7 +910,7 @@
           <a:bodyPr/>
           <a:lstStyle/>
           <a:p>
-            <a:fld id="{7508B7FF-0E9A-4CEC-87E3-6C7F1F4D2838}" type="slidenum">
+            <a:fld id="{81FAD25A-CCA3-4534-921A-BE780B1722BF}" type="slidenum">
               <a:rPr lang="zh-CN" altLang="en-US" smtClean="0"/>
               <a:t>‹#›</a:t>
             </a:fld>
@@ -921,7 +921,7 @@
     </p:spTree>
     <p:extLst>
       <p:ext uri="{BB962C8B-B14F-4D97-AF65-F5344CB8AC3E}">
-        <p14:creationId xmlns:p14="http://schemas.microsoft.com/office/powerpoint/2010/main" val="1618671048"/>
+        <p14:creationId xmlns:p14="http://schemas.microsoft.com/office/powerpoint/2010/main" val="1017455254"/>
       </p:ext>
     </p:extLst>
   </p:cSld>
@@ -953,7 +953,7 @@
           <p:cNvPr id="2" name="标题 1">
             <a:extLst>
               <a:ext uri="{FF2B5EF4-FFF2-40B4-BE49-F238E27FC236}">
-                <a16:creationId xmlns:a16="http://schemas.microsoft.com/office/drawing/2014/main" id="{8C65BAAC-85F7-D377-AEA1-D1159DAFF9FB}"/>
+                <a16:creationId xmlns:a16="http://schemas.microsoft.com/office/drawing/2014/main" id="{A174F5FB-1742-714C-1F5B-89CA108FA780}"/>
               </a:ext>
             </a:extLst>
           </p:cNvPr>
@@ -990,7 +990,7 @@
           <p:cNvPr id="3" name="文本占位符 2">
             <a:extLst>
               <a:ext uri="{FF2B5EF4-FFF2-40B4-BE49-F238E27FC236}">
-                <a16:creationId xmlns:a16="http://schemas.microsoft.com/office/drawing/2014/main" id="{1EE4A59C-38C0-F355-F52A-6813C68EFD28}"/>
+                <a16:creationId xmlns:a16="http://schemas.microsoft.com/office/drawing/2014/main" id="{58DDAE67-F442-0B34-1433-9D5AD061ED3A}"/>
               </a:ext>
             </a:extLst>
           </p:cNvPr>
@@ -1115,7 +1115,7 @@
           <p:cNvPr id="4" name="日期占位符 3">
             <a:extLst>
               <a:ext uri="{FF2B5EF4-FFF2-40B4-BE49-F238E27FC236}">
-                <a16:creationId xmlns:a16="http://schemas.microsoft.com/office/drawing/2014/main" id="{DFE06E6A-521C-9130-307F-3E132E8420E3}"/>
+                <a16:creationId xmlns:a16="http://schemas.microsoft.com/office/drawing/2014/main" id="{BFF314A5-7A43-0FCB-D6D8-B9CC292C7906}"/>
               </a:ext>
             </a:extLst>
           </p:cNvPr>
@@ -1131,7 +1131,7 @@
           <a:bodyPr/>
           <a:lstStyle/>
           <a:p>
-            <a:fld id="{1CFAD40B-9D25-4A3D-94E9-802B107147B1}" type="datetimeFigureOut">
+            <a:fld id="{A2430DB6-E6D0-4A4F-BCEC-E3B4BAD4F360}" type="datetimeFigureOut">
               <a:rPr lang="zh-CN" altLang="en-US" smtClean="0"/>
               <a:t>2024/3/10</a:t>
             </a:fld>
@@ -1144,7 +1144,7 @@
           <p:cNvPr id="5" name="页脚占位符 4">
             <a:extLst>
               <a:ext uri="{FF2B5EF4-FFF2-40B4-BE49-F238E27FC236}">
-                <a16:creationId xmlns:a16="http://schemas.microsoft.com/office/drawing/2014/main" id="{DEB17D2E-C030-423F-3072-FF42809BC12F}"/>
+                <a16:creationId xmlns:a16="http://schemas.microsoft.com/office/drawing/2014/main" id="{1C38A5AE-4DC1-A1CD-6677-199B4132BCF4}"/>
               </a:ext>
             </a:extLst>
           </p:cNvPr>
@@ -1169,7 +1169,7 @@
           <p:cNvPr id="6" name="灯片编号占位符 5">
             <a:extLst>
               <a:ext uri="{FF2B5EF4-FFF2-40B4-BE49-F238E27FC236}">
-                <a16:creationId xmlns:a16="http://schemas.microsoft.com/office/drawing/2014/main" id="{8250885D-9655-A7EF-8814-E58E4F001715}"/>
+                <a16:creationId xmlns:a16="http://schemas.microsoft.com/office/drawing/2014/main" id="{DD33C769-76AE-843F-19A5-A98189A38E6D}"/>
               </a:ext>
             </a:extLst>
           </p:cNvPr>
@@ -1185,7 +1185,7 @@
           <a:bodyPr/>
           <a:lstStyle/>
           <a:p>
-            <a:fld id="{7508B7FF-0E9A-4CEC-87E3-6C7F1F4D2838}" type="slidenum">
+            <a:fld id="{81FAD25A-CCA3-4534-921A-BE780B1722BF}" type="slidenum">
               <a:rPr lang="zh-CN" altLang="en-US" smtClean="0"/>
               <a:t>‹#›</a:t>
             </a:fld>
@@ -1196,7 +1196,7 @@
     </p:spTree>
     <p:extLst>
       <p:ext uri="{BB962C8B-B14F-4D97-AF65-F5344CB8AC3E}">
-        <p14:creationId xmlns:p14="http://schemas.microsoft.com/office/powerpoint/2010/main" val="4035687597"/>
+        <p14:creationId xmlns:p14="http://schemas.microsoft.com/office/powerpoint/2010/main" val="2969452839"/>
       </p:ext>
     </p:extLst>
   </p:cSld>
@@ -1228,7 +1228,7 @@
           <p:cNvPr id="2" name="标题 1">
             <a:extLst>
               <a:ext uri="{FF2B5EF4-FFF2-40B4-BE49-F238E27FC236}">
-                <a16:creationId xmlns:a16="http://schemas.microsoft.com/office/drawing/2014/main" id="{8CBCD5FF-C765-C7C7-24FD-F222B83A17BC}"/>
+                <a16:creationId xmlns:a16="http://schemas.microsoft.com/office/drawing/2014/main" id="{856E9C61-4D41-2617-F7F5-B6FC6F8D7BC2}"/>
               </a:ext>
             </a:extLst>
           </p:cNvPr>
@@ -1256,7 +1256,7 @@
           <p:cNvPr id="3" name="内容占位符 2">
             <a:extLst>
               <a:ext uri="{FF2B5EF4-FFF2-40B4-BE49-F238E27FC236}">
-                <a16:creationId xmlns:a16="http://schemas.microsoft.com/office/drawing/2014/main" id="{C4D0D5E1-8074-6F14-C210-F7116ECA9BE3}"/>
+                <a16:creationId xmlns:a16="http://schemas.microsoft.com/office/drawing/2014/main" id="{0C4D37EB-5606-8809-2902-33A290E8A2B6}"/>
               </a:ext>
             </a:extLst>
           </p:cNvPr>
@@ -1318,7 +1318,7 @@
           <p:cNvPr id="4" name="内容占位符 3">
             <a:extLst>
               <a:ext uri="{FF2B5EF4-FFF2-40B4-BE49-F238E27FC236}">
-                <a16:creationId xmlns:a16="http://schemas.microsoft.com/office/drawing/2014/main" id="{7C5F6786-DA11-57B4-0F31-342707AE7256}"/>
+                <a16:creationId xmlns:a16="http://schemas.microsoft.com/office/drawing/2014/main" id="{16DFDF60-D4AC-5535-837B-324EE68EB882}"/>
               </a:ext>
             </a:extLst>
           </p:cNvPr>
@@ -1380,7 +1380,7 @@
           <p:cNvPr id="5" name="日期占位符 4">
             <a:extLst>
               <a:ext uri="{FF2B5EF4-FFF2-40B4-BE49-F238E27FC236}">
-                <a16:creationId xmlns:a16="http://schemas.microsoft.com/office/drawing/2014/main" id="{A8F4E88C-DD95-EA17-F1D8-CE8E0B6E1CD7}"/>
+                <a16:creationId xmlns:a16="http://schemas.microsoft.com/office/drawing/2014/main" id="{B1C73AD2-5D00-57B0-1392-8136629C7FD4}"/>
               </a:ext>
             </a:extLst>
           </p:cNvPr>
@@ -1396,7 +1396,7 @@
           <a:bodyPr/>
           <a:lstStyle/>
           <a:p>
-            <a:fld id="{1CFAD40B-9D25-4A3D-94E9-802B107147B1}" type="datetimeFigureOut">
+            <a:fld id="{A2430DB6-E6D0-4A4F-BCEC-E3B4BAD4F360}" type="datetimeFigureOut">
               <a:rPr lang="zh-CN" altLang="en-US" smtClean="0"/>
               <a:t>2024/3/10</a:t>
             </a:fld>
@@ -1409,7 +1409,7 @@
           <p:cNvPr id="6" name="页脚占位符 5">
             <a:extLst>
               <a:ext uri="{FF2B5EF4-FFF2-40B4-BE49-F238E27FC236}">
-                <a16:creationId xmlns:a16="http://schemas.microsoft.com/office/drawing/2014/main" id="{F733C6A9-0A66-10A6-D25F-58B332C9ED23}"/>
+                <a16:creationId xmlns:a16="http://schemas.microsoft.com/office/drawing/2014/main" id="{07F9C10A-6496-81D9-913F-D876F0A70C23}"/>
               </a:ext>
             </a:extLst>
           </p:cNvPr>
@@ -1434,7 +1434,7 @@
           <p:cNvPr id="7" name="灯片编号占位符 6">
             <a:extLst>
               <a:ext uri="{FF2B5EF4-FFF2-40B4-BE49-F238E27FC236}">
-                <a16:creationId xmlns:a16="http://schemas.microsoft.com/office/drawing/2014/main" id="{30E8E119-DC44-0300-48E5-8AE87DC7C473}"/>
+                <a16:creationId xmlns:a16="http://schemas.microsoft.com/office/drawing/2014/main" id="{2094B9F1-FD0F-F920-E716-9BA86F6B8D22}"/>
               </a:ext>
             </a:extLst>
           </p:cNvPr>
@@ -1450,7 +1450,7 @@
           <a:bodyPr/>
           <a:lstStyle/>
           <a:p>
-            <a:fld id="{7508B7FF-0E9A-4CEC-87E3-6C7F1F4D2838}" type="slidenum">
+            <a:fld id="{81FAD25A-CCA3-4534-921A-BE780B1722BF}" type="slidenum">
               <a:rPr lang="zh-CN" altLang="en-US" smtClean="0"/>
               <a:t>‹#›</a:t>
             </a:fld>
@@ -1461,7 +1461,7 @@
     </p:spTree>
     <p:extLst>
       <p:ext uri="{BB962C8B-B14F-4D97-AF65-F5344CB8AC3E}">
-        <p14:creationId xmlns:p14="http://schemas.microsoft.com/office/powerpoint/2010/main" val="1858819461"/>
+        <p14:creationId xmlns:p14="http://schemas.microsoft.com/office/powerpoint/2010/main" val="3807140345"/>
       </p:ext>
     </p:extLst>
   </p:cSld>
@@ -1493,7 +1493,7 @@
           <p:cNvPr id="2" name="标题 1">
             <a:extLst>
               <a:ext uri="{FF2B5EF4-FFF2-40B4-BE49-F238E27FC236}">
-                <a16:creationId xmlns:a16="http://schemas.microsoft.com/office/drawing/2014/main" id="{6F42E5C9-FBD9-9996-E14A-2B080667A2BB}"/>
+                <a16:creationId xmlns:a16="http://schemas.microsoft.com/office/drawing/2014/main" id="{787D8A3F-B259-A8C9-E697-F9B21CAADB16}"/>
               </a:ext>
             </a:extLst>
           </p:cNvPr>
@@ -1526,7 +1526,7 @@
           <p:cNvPr id="3" name="文本占位符 2">
             <a:extLst>
               <a:ext uri="{FF2B5EF4-FFF2-40B4-BE49-F238E27FC236}">
-                <a16:creationId xmlns:a16="http://schemas.microsoft.com/office/drawing/2014/main" id="{8E1ECDED-C0ED-160E-FD04-E0C7C2634634}"/>
+                <a16:creationId xmlns:a16="http://schemas.microsoft.com/office/drawing/2014/main" id="{33B011ED-F330-0B85-373E-576D81BAAA64}"/>
               </a:ext>
             </a:extLst>
           </p:cNvPr>
@@ -1597,7 +1597,7 @@
           <p:cNvPr id="4" name="内容占位符 3">
             <a:extLst>
               <a:ext uri="{FF2B5EF4-FFF2-40B4-BE49-F238E27FC236}">
-                <a16:creationId xmlns:a16="http://schemas.microsoft.com/office/drawing/2014/main" id="{F8C15524-C58C-6A7D-A849-9BFA92E5F6D8}"/>
+                <a16:creationId xmlns:a16="http://schemas.microsoft.com/office/drawing/2014/main" id="{C6B26E88-6BF2-C354-54F0-66B0CF457486}"/>
               </a:ext>
             </a:extLst>
           </p:cNvPr>
@@ -1659,7 +1659,7 @@
           <p:cNvPr id="5" name="文本占位符 4">
             <a:extLst>
               <a:ext uri="{FF2B5EF4-FFF2-40B4-BE49-F238E27FC236}">
-                <a16:creationId xmlns:a16="http://schemas.microsoft.com/office/drawing/2014/main" id="{F0E2FCF4-E622-A982-1E8B-6B14C0B59B8F}"/>
+                <a16:creationId xmlns:a16="http://schemas.microsoft.com/office/drawing/2014/main" id="{AB3550AD-C541-4A03-5389-7B09A3BA282B}"/>
               </a:ext>
             </a:extLst>
           </p:cNvPr>
@@ -1730,7 +1730,7 @@
           <p:cNvPr id="6" name="内容占位符 5">
             <a:extLst>
               <a:ext uri="{FF2B5EF4-FFF2-40B4-BE49-F238E27FC236}">
-                <a16:creationId xmlns:a16="http://schemas.microsoft.com/office/drawing/2014/main" id="{01DD5D2E-0563-3B83-623C-00B8CB10F0A1}"/>
+                <a16:creationId xmlns:a16="http://schemas.microsoft.com/office/drawing/2014/main" id="{DF663F36-EA8F-3B53-A530-408B27939335}"/>
               </a:ext>
             </a:extLst>
           </p:cNvPr>
@@ -1792,7 +1792,7 @@
           <p:cNvPr id="7" name="日期占位符 6">
             <a:extLst>
               <a:ext uri="{FF2B5EF4-FFF2-40B4-BE49-F238E27FC236}">
-                <a16:creationId xmlns:a16="http://schemas.microsoft.com/office/drawing/2014/main" id="{6CD2B77B-8DBD-A507-9A76-7FFBBA18590F}"/>
+                <a16:creationId xmlns:a16="http://schemas.microsoft.com/office/drawing/2014/main" id="{4324BD5D-6D5F-1BE3-27AA-4C78E7E5B332}"/>
               </a:ext>
             </a:extLst>
           </p:cNvPr>
@@ -1808,7 +1808,7 @@
           <a:bodyPr/>
           <a:lstStyle/>
           <a:p>
-            <a:fld id="{1CFAD40B-9D25-4A3D-94E9-802B107147B1}" type="datetimeFigureOut">
+            <a:fld id="{A2430DB6-E6D0-4A4F-BCEC-E3B4BAD4F360}" type="datetimeFigureOut">
               <a:rPr lang="zh-CN" altLang="en-US" smtClean="0"/>
               <a:t>2024/3/10</a:t>
             </a:fld>
@@ -1821,7 +1821,7 @@
           <p:cNvPr id="8" name="页脚占位符 7">
             <a:extLst>
               <a:ext uri="{FF2B5EF4-FFF2-40B4-BE49-F238E27FC236}">
-                <a16:creationId xmlns:a16="http://schemas.microsoft.com/office/drawing/2014/main" id="{5F790FE2-8D63-2A54-7010-1AD0EC042074}"/>
+                <a16:creationId xmlns:a16="http://schemas.microsoft.com/office/drawing/2014/main" id="{73FDD729-1E7A-19F3-AF84-59B1CD35925D}"/>
               </a:ext>
             </a:extLst>
           </p:cNvPr>
@@ -1846,7 +1846,7 @@
           <p:cNvPr id="9" name="灯片编号占位符 8">
             <a:extLst>
               <a:ext uri="{FF2B5EF4-FFF2-40B4-BE49-F238E27FC236}">
-                <a16:creationId xmlns:a16="http://schemas.microsoft.com/office/drawing/2014/main" id="{F944137B-4EE1-1156-67A3-FC4458A571C0}"/>
+                <a16:creationId xmlns:a16="http://schemas.microsoft.com/office/drawing/2014/main" id="{7FD8552E-218F-36D5-5E8B-398C60A00D30}"/>
               </a:ext>
             </a:extLst>
           </p:cNvPr>
@@ -1862,7 +1862,7 @@
           <a:bodyPr/>
           <a:lstStyle/>
           <a:p>
-            <a:fld id="{7508B7FF-0E9A-4CEC-87E3-6C7F1F4D2838}" type="slidenum">
+            <a:fld id="{81FAD25A-CCA3-4534-921A-BE780B1722BF}" type="slidenum">
               <a:rPr lang="zh-CN" altLang="en-US" smtClean="0"/>
               <a:t>‹#›</a:t>
             </a:fld>
@@ -1873,7 +1873,7 @@
     </p:spTree>
     <p:extLst>
       <p:ext uri="{BB962C8B-B14F-4D97-AF65-F5344CB8AC3E}">
-        <p14:creationId xmlns:p14="http://schemas.microsoft.com/office/powerpoint/2010/main" val="2945069958"/>
+        <p14:creationId xmlns:p14="http://schemas.microsoft.com/office/powerpoint/2010/main" val="304140080"/>
       </p:ext>
     </p:extLst>
   </p:cSld>
@@ -1905,7 +1905,7 @@
           <p:cNvPr id="2" name="标题 1">
             <a:extLst>
               <a:ext uri="{FF2B5EF4-FFF2-40B4-BE49-F238E27FC236}">
-                <a16:creationId xmlns:a16="http://schemas.microsoft.com/office/drawing/2014/main" id="{D820CEB7-C884-A471-C759-8DDF818F58F1}"/>
+                <a16:creationId xmlns:a16="http://schemas.microsoft.com/office/drawing/2014/main" id="{91DF9125-641A-098A-90B9-DD576D7E6983}"/>
               </a:ext>
             </a:extLst>
           </p:cNvPr>
@@ -1933,7 +1933,7 @@
           <p:cNvPr id="3" name="日期占位符 2">
             <a:extLst>
               <a:ext uri="{FF2B5EF4-FFF2-40B4-BE49-F238E27FC236}">
-                <a16:creationId xmlns:a16="http://schemas.microsoft.com/office/drawing/2014/main" id="{1C4A75DF-D1EA-03FD-2B70-B1E625747747}"/>
+                <a16:creationId xmlns:a16="http://schemas.microsoft.com/office/drawing/2014/main" id="{A10C6A08-7F82-9A63-04A4-5728BB5BE7A6}"/>
               </a:ext>
             </a:extLst>
           </p:cNvPr>
@@ -1949,7 +1949,7 @@
           <a:bodyPr/>
           <a:lstStyle/>
           <a:p>
-            <a:fld id="{1CFAD40B-9D25-4A3D-94E9-802B107147B1}" type="datetimeFigureOut">
+            <a:fld id="{A2430DB6-E6D0-4A4F-BCEC-E3B4BAD4F360}" type="datetimeFigureOut">
               <a:rPr lang="zh-CN" altLang="en-US" smtClean="0"/>
               <a:t>2024/3/10</a:t>
             </a:fld>
@@ -1962,7 +1962,7 @@
           <p:cNvPr id="4" name="页脚占位符 3">
             <a:extLst>
               <a:ext uri="{FF2B5EF4-FFF2-40B4-BE49-F238E27FC236}">
-                <a16:creationId xmlns:a16="http://schemas.microsoft.com/office/drawing/2014/main" id="{22329096-17A0-6C8A-4A0D-E00561F0F616}"/>
+                <a16:creationId xmlns:a16="http://schemas.microsoft.com/office/drawing/2014/main" id="{02CE5687-EBDB-C1DE-7AB2-EC4010C74C27}"/>
               </a:ext>
             </a:extLst>
           </p:cNvPr>
@@ -1987,7 +1987,7 @@
           <p:cNvPr id="5" name="灯片编号占位符 4">
             <a:extLst>
               <a:ext uri="{FF2B5EF4-FFF2-40B4-BE49-F238E27FC236}">
-                <a16:creationId xmlns:a16="http://schemas.microsoft.com/office/drawing/2014/main" id="{2B2CA098-CC93-537C-D9D6-9BE59DE358AC}"/>
+                <a16:creationId xmlns:a16="http://schemas.microsoft.com/office/drawing/2014/main" id="{B4397AC7-57B2-43B8-DE33-51299A3FB363}"/>
               </a:ext>
             </a:extLst>
           </p:cNvPr>
@@ -2003,7 +2003,7 @@
           <a:bodyPr/>
           <a:lstStyle/>
           <a:p>
-            <a:fld id="{7508B7FF-0E9A-4CEC-87E3-6C7F1F4D2838}" type="slidenum">
+            <a:fld id="{81FAD25A-CCA3-4534-921A-BE780B1722BF}" type="slidenum">
               <a:rPr lang="zh-CN" altLang="en-US" smtClean="0"/>
               <a:t>‹#›</a:t>
             </a:fld>
@@ -2014,7 +2014,7 @@
     </p:spTree>
     <p:extLst>
       <p:ext uri="{BB962C8B-B14F-4D97-AF65-F5344CB8AC3E}">
-        <p14:creationId xmlns:p14="http://schemas.microsoft.com/office/powerpoint/2010/main" val="3766178182"/>
+        <p14:creationId xmlns:p14="http://schemas.microsoft.com/office/powerpoint/2010/main" val="1769462634"/>
       </p:ext>
     </p:extLst>
   </p:cSld>
@@ -2046,7 +2046,7 @@
           <p:cNvPr id="2" name="日期占位符 1">
             <a:extLst>
               <a:ext uri="{FF2B5EF4-FFF2-40B4-BE49-F238E27FC236}">
-                <a16:creationId xmlns:a16="http://schemas.microsoft.com/office/drawing/2014/main" id="{8F2A23DE-E805-21C6-BF1D-0F77C9FA29BB}"/>
+                <a16:creationId xmlns:a16="http://schemas.microsoft.com/office/drawing/2014/main" id="{AAC5AA1C-BC6C-9DD9-46F4-3ADF3152B51D}"/>
               </a:ext>
             </a:extLst>
           </p:cNvPr>
@@ -2062,7 +2062,7 @@
           <a:bodyPr/>
           <a:lstStyle/>
           <a:p>
-            <a:fld id="{1CFAD40B-9D25-4A3D-94E9-802B107147B1}" type="datetimeFigureOut">
+            <a:fld id="{A2430DB6-E6D0-4A4F-BCEC-E3B4BAD4F360}" type="datetimeFigureOut">
               <a:rPr lang="zh-CN" altLang="en-US" smtClean="0"/>
               <a:t>2024/3/10</a:t>
             </a:fld>
@@ -2075,7 +2075,7 @@
           <p:cNvPr id="3" name="页脚占位符 2">
             <a:extLst>
               <a:ext uri="{FF2B5EF4-FFF2-40B4-BE49-F238E27FC236}">
-                <a16:creationId xmlns:a16="http://schemas.microsoft.com/office/drawing/2014/main" id="{F19F243D-DCC4-2CF8-446D-AE11C4D22729}"/>
+                <a16:creationId xmlns:a16="http://schemas.microsoft.com/office/drawing/2014/main" id="{154E5FC6-C46F-5B8D-FA2D-8BBE810AEEF6}"/>
               </a:ext>
             </a:extLst>
           </p:cNvPr>
@@ -2100,7 +2100,7 @@
           <p:cNvPr id="4" name="灯片编号占位符 3">
             <a:extLst>
               <a:ext uri="{FF2B5EF4-FFF2-40B4-BE49-F238E27FC236}">
-                <a16:creationId xmlns:a16="http://schemas.microsoft.com/office/drawing/2014/main" id="{F85046FE-D529-361B-5C05-2A4A71A313EF}"/>
+                <a16:creationId xmlns:a16="http://schemas.microsoft.com/office/drawing/2014/main" id="{B93765CE-940F-44C5-3EA7-F3BE7323B1C6}"/>
               </a:ext>
             </a:extLst>
           </p:cNvPr>
@@ -2116,7 +2116,7 @@
           <a:bodyPr/>
           <a:lstStyle/>
           <a:p>
-            <a:fld id="{7508B7FF-0E9A-4CEC-87E3-6C7F1F4D2838}" type="slidenum">
+            <a:fld id="{81FAD25A-CCA3-4534-921A-BE780B1722BF}" type="slidenum">
               <a:rPr lang="zh-CN" altLang="en-US" smtClean="0"/>
               <a:t>‹#›</a:t>
             </a:fld>
@@ -2127,7 +2127,7 @@
     </p:spTree>
     <p:extLst>
       <p:ext uri="{BB962C8B-B14F-4D97-AF65-F5344CB8AC3E}">
-        <p14:creationId xmlns:p14="http://schemas.microsoft.com/office/powerpoint/2010/main" val="614293520"/>
+        <p14:creationId xmlns:p14="http://schemas.microsoft.com/office/powerpoint/2010/main" val="2028194469"/>
       </p:ext>
     </p:extLst>
   </p:cSld>
@@ -2159,7 +2159,7 @@
           <p:cNvPr id="2" name="标题 1">
             <a:extLst>
               <a:ext uri="{FF2B5EF4-FFF2-40B4-BE49-F238E27FC236}">
-                <a16:creationId xmlns:a16="http://schemas.microsoft.com/office/drawing/2014/main" id="{6045B7BC-340E-87E4-3D92-2A229942843A}"/>
+                <a16:creationId xmlns:a16="http://schemas.microsoft.com/office/drawing/2014/main" id="{759FCAD7-51E8-3C30-78CA-2568D398D77B}"/>
               </a:ext>
             </a:extLst>
           </p:cNvPr>
@@ -2196,7 +2196,7 @@
           <p:cNvPr id="3" name="内容占位符 2">
             <a:extLst>
               <a:ext uri="{FF2B5EF4-FFF2-40B4-BE49-F238E27FC236}">
-                <a16:creationId xmlns:a16="http://schemas.microsoft.com/office/drawing/2014/main" id="{1BE8AC05-6305-392D-7E09-8EF94F652599}"/>
+                <a16:creationId xmlns:a16="http://schemas.microsoft.com/office/drawing/2014/main" id="{56535BBF-AB3E-C2CD-FDF6-FF433B802C32}"/>
               </a:ext>
             </a:extLst>
           </p:cNvPr>
@@ -2286,7 +2286,7 @@
           <p:cNvPr id="4" name="文本占位符 3">
             <a:extLst>
               <a:ext uri="{FF2B5EF4-FFF2-40B4-BE49-F238E27FC236}">
-                <a16:creationId xmlns:a16="http://schemas.microsoft.com/office/drawing/2014/main" id="{9A1E4E22-6BC7-BC97-1931-59ABDAA06833}"/>
+                <a16:creationId xmlns:a16="http://schemas.microsoft.com/office/drawing/2014/main" id="{7B0AF4E8-8711-E6DC-2D82-9C180A7D2597}"/>
               </a:ext>
             </a:extLst>
           </p:cNvPr>
@@ -2357,7 +2357,7 @@
           <p:cNvPr id="5" name="日期占位符 4">
             <a:extLst>
               <a:ext uri="{FF2B5EF4-FFF2-40B4-BE49-F238E27FC236}">
-                <a16:creationId xmlns:a16="http://schemas.microsoft.com/office/drawing/2014/main" id="{4CD9AA7D-6AA9-E51B-A192-F7FBF60332C8}"/>
+                <a16:creationId xmlns:a16="http://schemas.microsoft.com/office/drawing/2014/main" id="{38D21425-2FD9-9E7C-7FCD-72E89AEF49E7}"/>
               </a:ext>
             </a:extLst>
           </p:cNvPr>
@@ -2373,7 +2373,7 @@
           <a:bodyPr/>
           <a:lstStyle/>
           <a:p>
-            <a:fld id="{1CFAD40B-9D25-4A3D-94E9-802B107147B1}" type="datetimeFigureOut">
+            <a:fld id="{A2430DB6-E6D0-4A4F-BCEC-E3B4BAD4F360}" type="datetimeFigureOut">
               <a:rPr lang="zh-CN" altLang="en-US" smtClean="0"/>
               <a:t>2024/3/10</a:t>
             </a:fld>
@@ -2386,7 +2386,7 @@
           <p:cNvPr id="6" name="页脚占位符 5">
             <a:extLst>
               <a:ext uri="{FF2B5EF4-FFF2-40B4-BE49-F238E27FC236}">
-                <a16:creationId xmlns:a16="http://schemas.microsoft.com/office/drawing/2014/main" id="{1BE22DF7-9EA6-CEB2-8D44-BD5F0FF4FE09}"/>
+                <a16:creationId xmlns:a16="http://schemas.microsoft.com/office/drawing/2014/main" id="{0CB8A03B-5BF6-09C4-B05F-B88742A9B35F}"/>
               </a:ext>
             </a:extLst>
           </p:cNvPr>
@@ -2411,7 +2411,7 @@
           <p:cNvPr id="7" name="灯片编号占位符 6">
             <a:extLst>
               <a:ext uri="{FF2B5EF4-FFF2-40B4-BE49-F238E27FC236}">
-                <a16:creationId xmlns:a16="http://schemas.microsoft.com/office/drawing/2014/main" id="{0E751A70-3B23-1CE9-CCC4-230BF361DE6A}"/>
+                <a16:creationId xmlns:a16="http://schemas.microsoft.com/office/drawing/2014/main" id="{B5B4596C-1C66-00EF-0F86-6B0360B6653B}"/>
               </a:ext>
             </a:extLst>
           </p:cNvPr>
@@ -2427,7 +2427,7 @@
           <a:bodyPr/>
           <a:lstStyle/>
           <a:p>
-            <a:fld id="{7508B7FF-0E9A-4CEC-87E3-6C7F1F4D2838}" type="slidenum">
+            <a:fld id="{81FAD25A-CCA3-4534-921A-BE780B1722BF}" type="slidenum">
               <a:rPr lang="zh-CN" altLang="en-US" smtClean="0"/>
               <a:t>‹#›</a:t>
             </a:fld>
@@ -2438,7 +2438,7 @@
     </p:spTree>
     <p:extLst>
       <p:ext uri="{BB962C8B-B14F-4D97-AF65-F5344CB8AC3E}">
-        <p14:creationId xmlns:p14="http://schemas.microsoft.com/office/powerpoint/2010/main" val="3154462545"/>
+        <p14:creationId xmlns:p14="http://schemas.microsoft.com/office/powerpoint/2010/main" val="3905354371"/>
       </p:ext>
     </p:extLst>
   </p:cSld>
@@ -2470,7 +2470,7 @@
           <p:cNvPr id="2" name="标题 1">
             <a:extLst>
               <a:ext uri="{FF2B5EF4-FFF2-40B4-BE49-F238E27FC236}">
-                <a16:creationId xmlns:a16="http://schemas.microsoft.com/office/drawing/2014/main" id="{CF0A9123-665C-B39A-51B3-B529BB213917}"/>
+                <a16:creationId xmlns:a16="http://schemas.microsoft.com/office/drawing/2014/main" id="{4EB0E59A-625E-78A9-D18D-EA87E7F6D9D3}"/>
               </a:ext>
             </a:extLst>
           </p:cNvPr>
@@ -2507,7 +2507,7 @@
           <p:cNvPr id="3" name="图片占位符 2">
             <a:extLst>
               <a:ext uri="{FF2B5EF4-FFF2-40B4-BE49-F238E27FC236}">
-                <a16:creationId xmlns:a16="http://schemas.microsoft.com/office/drawing/2014/main" id="{367BEC83-0411-46CA-48D0-04572F0B2113}"/>
+                <a16:creationId xmlns:a16="http://schemas.microsoft.com/office/drawing/2014/main" id="{4B6A73AF-DE9B-BA2D-BBCD-BB40A4488272}"/>
               </a:ext>
             </a:extLst>
           </p:cNvPr>
@@ -2574,7 +2574,7 @@
           <p:cNvPr id="4" name="文本占位符 3">
             <a:extLst>
               <a:ext uri="{FF2B5EF4-FFF2-40B4-BE49-F238E27FC236}">
-                <a16:creationId xmlns:a16="http://schemas.microsoft.com/office/drawing/2014/main" id="{62F3F103-6CC4-3736-82C6-35F787753E40}"/>
+                <a16:creationId xmlns:a16="http://schemas.microsoft.com/office/drawing/2014/main" id="{091BBD7F-CFF1-3B6F-E87A-6A5C96C6608E}"/>
               </a:ext>
             </a:extLst>
           </p:cNvPr>
@@ -2645,7 +2645,7 @@
           <p:cNvPr id="5" name="日期占位符 4">
             <a:extLst>
               <a:ext uri="{FF2B5EF4-FFF2-40B4-BE49-F238E27FC236}">
-                <a16:creationId xmlns:a16="http://schemas.microsoft.com/office/drawing/2014/main" id="{BC00569E-1DA3-D883-B793-01203391B027}"/>
+                <a16:creationId xmlns:a16="http://schemas.microsoft.com/office/drawing/2014/main" id="{DC0FBCBB-368C-BC1A-35E4-391B0690D012}"/>
               </a:ext>
             </a:extLst>
           </p:cNvPr>
@@ -2661,7 +2661,7 @@
           <a:bodyPr/>
           <a:lstStyle/>
           <a:p>
-            <a:fld id="{1CFAD40B-9D25-4A3D-94E9-802B107147B1}" type="datetimeFigureOut">
+            <a:fld id="{A2430DB6-E6D0-4A4F-BCEC-E3B4BAD4F360}" type="datetimeFigureOut">
               <a:rPr lang="zh-CN" altLang="en-US" smtClean="0"/>
               <a:t>2024/3/10</a:t>
             </a:fld>
@@ -2674,7 +2674,7 @@
           <p:cNvPr id="6" name="页脚占位符 5">
             <a:extLst>
               <a:ext uri="{FF2B5EF4-FFF2-40B4-BE49-F238E27FC236}">
-                <a16:creationId xmlns:a16="http://schemas.microsoft.com/office/drawing/2014/main" id="{2BF76839-328A-6891-FD8B-9065E18DBFB2}"/>
+                <a16:creationId xmlns:a16="http://schemas.microsoft.com/office/drawing/2014/main" id="{95F5A47C-F226-62E8-2F9A-A6B52367607E}"/>
               </a:ext>
             </a:extLst>
           </p:cNvPr>
@@ -2699,7 +2699,7 @@
           <p:cNvPr id="7" name="灯片编号占位符 6">
             <a:extLst>
               <a:ext uri="{FF2B5EF4-FFF2-40B4-BE49-F238E27FC236}">
-                <a16:creationId xmlns:a16="http://schemas.microsoft.com/office/drawing/2014/main" id="{E37EEECD-33EF-C354-4224-9F1F21A2BFFE}"/>
+                <a16:creationId xmlns:a16="http://schemas.microsoft.com/office/drawing/2014/main" id="{3B3D696B-11B1-0763-2F67-180BE29BAB49}"/>
               </a:ext>
             </a:extLst>
           </p:cNvPr>
@@ -2715,7 +2715,7 @@
           <a:bodyPr/>
           <a:lstStyle/>
           <a:p>
-            <a:fld id="{7508B7FF-0E9A-4CEC-87E3-6C7F1F4D2838}" type="slidenum">
+            <a:fld id="{81FAD25A-CCA3-4534-921A-BE780B1722BF}" type="slidenum">
               <a:rPr lang="zh-CN" altLang="en-US" smtClean="0"/>
               <a:t>‹#›</a:t>
             </a:fld>
@@ -2726,7 +2726,7 @@
     </p:spTree>
     <p:extLst>
       <p:ext uri="{BB962C8B-B14F-4D97-AF65-F5344CB8AC3E}">
-        <p14:creationId xmlns:p14="http://schemas.microsoft.com/office/powerpoint/2010/main" val="2958620903"/>
+        <p14:creationId xmlns:p14="http://schemas.microsoft.com/office/powerpoint/2010/main" val="3999153625"/>
       </p:ext>
     </p:extLst>
   </p:cSld>
@@ -2763,7 +2763,7 @@
           <p:cNvPr id="2" name="标题占位符 1">
             <a:extLst>
               <a:ext uri="{FF2B5EF4-FFF2-40B4-BE49-F238E27FC236}">
-                <a16:creationId xmlns:a16="http://schemas.microsoft.com/office/drawing/2014/main" id="{A4C45906-BBC7-8E86-AE04-7DCF8D3BB738}"/>
+                <a16:creationId xmlns:a16="http://schemas.microsoft.com/office/drawing/2014/main" id="{6ED924A1-C451-9497-365D-91CCFBEC4806}"/>
               </a:ext>
             </a:extLst>
           </p:cNvPr>
@@ -2801,7 +2801,7 @@
           <p:cNvPr id="3" name="文本占位符 2">
             <a:extLst>
               <a:ext uri="{FF2B5EF4-FFF2-40B4-BE49-F238E27FC236}">
-                <a16:creationId xmlns:a16="http://schemas.microsoft.com/office/drawing/2014/main" id="{90E4E047-B961-F87F-19E0-7D682F6EBE22}"/>
+                <a16:creationId xmlns:a16="http://schemas.microsoft.com/office/drawing/2014/main" id="{7304FAAD-91D2-02C6-E092-618DEEA05BDD}"/>
               </a:ext>
             </a:extLst>
           </p:cNvPr>
@@ -2868,7 +2868,7 @@
           <p:cNvPr id="4" name="日期占位符 3">
             <a:extLst>
               <a:ext uri="{FF2B5EF4-FFF2-40B4-BE49-F238E27FC236}">
-                <a16:creationId xmlns:a16="http://schemas.microsoft.com/office/drawing/2014/main" id="{F3E46C70-A41B-3A78-3BA7-558E6D39581D}"/>
+                <a16:creationId xmlns:a16="http://schemas.microsoft.com/office/drawing/2014/main" id="{EAC464BD-2A5B-5B4D-5BD6-D0F3925F6E2E}"/>
               </a:ext>
             </a:extLst>
           </p:cNvPr>
@@ -2902,7 +2902,7 @@
             </a:lvl1pPr>
           </a:lstStyle>
           <a:p>
-            <a:fld id="{1CFAD40B-9D25-4A3D-94E9-802B107147B1}" type="datetimeFigureOut">
+            <a:fld id="{A2430DB6-E6D0-4A4F-BCEC-E3B4BAD4F360}" type="datetimeFigureOut">
               <a:rPr lang="zh-CN" altLang="en-US" smtClean="0"/>
               <a:t>2024/3/10</a:t>
             </a:fld>
@@ -2915,7 +2915,7 @@
           <p:cNvPr id="5" name="页脚占位符 4">
             <a:extLst>
               <a:ext uri="{FF2B5EF4-FFF2-40B4-BE49-F238E27FC236}">
-                <a16:creationId xmlns:a16="http://schemas.microsoft.com/office/drawing/2014/main" id="{2C17BBF9-3EF0-EFB4-03CE-A7BD7183C1C8}"/>
+                <a16:creationId xmlns:a16="http://schemas.microsoft.com/office/drawing/2014/main" id="{9A01689D-B1C9-F15D-B071-437269BAADD9}"/>
               </a:ext>
             </a:extLst>
           </p:cNvPr>
@@ -2958,7 +2958,7 @@
           <p:cNvPr id="6" name="灯片编号占位符 5">
             <a:extLst>
               <a:ext uri="{FF2B5EF4-FFF2-40B4-BE49-F238E27FC236}">
-                <a16:creationId xmlns:a16="http://schemas.microsoft.com/office/drawing/2014/main" id="{D63C58DB-0E5C-29E4-A2D8-3C38720E04E9}"/>
+                <a16:creationId xmlns:a16="http://schemas.microsoft.com/office/drawing/2014/main" id="{7AF60BE0-08E4-B9EE-1923-E82EC48C6B19}"/>
               </a:ext>
             </a:extLst>
           </p:cNvPr>
@@ -2992,7 +2992,7 @@
             </a:lvl1pPr>
           </a:lstStyle>
           <a:p>
-            <a:fld id="{7508B7FF-0E9A-4CEC-87E3-6C7F1F4D2838}" type="slidenum">
+            <a:fld id="{81FAD25A-CCA3-4534-921A-BE780B1722BF}" type="slidenum">
               <a:rPr lang="zh-CN" altLang="en-US" smtClean="0"/>
               <a:t>‹#›</a:t>
             </a:fld>
@@ -3003,7 +3003,7 @@
     </p:spTree>
     <p:extLst>
       <p:ext uri="{BB962C8B-B14F-4D97-AF65-F5344CB8AC3E}">
-        <p14:creationId xmlns:p14="http://schemas.microsoft.com/office/powerpoint/2010/main" val="2467564444"/>
+        <p14:creationId xmlns:p14="http://schemas.microsoft.com/office/powerpoint/2010/main" val="2216090063"/>
       </p:ext>
     </p:extLst>
   </p:cSld>
@@ -3323,7 +3323,7 @@
       </p:grpSpPr>
       <p:pic>
         <p:nvPicPr>
-          <p:cNvPr id="546818" name="Picture 2" descr="533"/>
+          <p:cNvPr id="547842" name="Picture 2" descr="534"/>
           <p:cNvPicPr>
             <a:picLocks noChangeAspect="1" noChangeArrowheads="1"/>
           </p:cNvPicPr>
@@ -3345,7 +3345,7 @@
         <p:spPr bwMode="auto">
           <a:xfrm>
             <a:off x="1524000" y="0"/>
-            <a:ext cx="9144000" cy="5949950"/>
+            <a:ext cx="9144000" cy="6858000"/>
           </a:xfrm>
           <a:prstGeom prst="rect">
             <a:avLst/>
@@ -3375,11 +3375,158 @@
           </a:extLst>
         </p:spPr>
       </p:pic>
+      <p:pic>
+        <p:nvPicPr>
+          <p:cNvPr id="548867" name="Picture 3" descr="534-2"/>
+          <p:cNvPicPr>
+            <a:picLocks noChangeAspect="1" noChangeArrowheads="1"/>
+          </p:cNvPicPr>
+          <p:nvPr/>
+        </p:nvPicPr>
+        <p:blipFill>
+          <a:blip r:embed="rId3">
+            <a:extLst>
+              <a:ext uri="{28A0092B-C50C-407E-A947-70E740481C1C}">
+                <a14:useLocalDpi xmlns:a14="http://schemas.microsoft.com/office/drawing/2010/main" val="0"/>
+              </a:ext>
+            </a:extLst>
+          </a:blip>
+          <a:srcRect/>
+          <a:stretch>
+            <a:fillRect/>
+          </a:stretch>
+        </p:blipFill>
+        <p:spPr bwMode="auto">
+          <a:xfrm>
+            <a:off x="1524000" y="0"/>
+            <a:ext cx="9144000" cy="6858000"/>
+          </a:xfrm>
+          <a:prstGeom prst="rect">
+            <a:avLst/>
+          </a:prstGeom>
+          <a:noFill/>
+          <a:ln>
+            <a:noFill/>
+          </a:ln>
+          <a:effectLst/>
+          <a:extLst>
+            <a:ext uri="{909E8E84-426E-40DD-AFC4-6F175D3DCCD1}">
+              <a14:hiddenFill xmlns:a14="http://schemas.microsoft.com/office/drawing/2010/main">
+                <a:solidFill>
+                  <a:srgbClr val="FFFFFF"/>
+                </a:solidFill>
+              </a14:hiddenFill>
+            </a:ext>
+            <a:ext uri="{91240B29-F687-4F45-9708-019B960494DF}">
+              <a14:hiddenLine xmlns:a14="http://schemas.microsoft.com/office/drawing/2010/main" w="9525">
+                <a:solidFill>
+                  <a:srgbClr val="000000"/>
+                </a:solidFill>
+                <a:miter lim="800000"/>
+                <a:headEnd/>
+                <a:tailEnd/>
+              </a14:hiddenLine>
+            </a:ext>
+            <a:ext uri="{AF507438-7753-43E0-B8FC-AC1667EBCBE1}">
+              <a14:hiddenEffects xmlns:a14="http://schemas.microsoft.com/office/drawing/2010/main">
+                <a:effectLst>
+                  <a:outerShdw dist="35921" dir="2700000" algn="ctr" rotWithShape="0">
+                    <a:srgbClr val="808080"/>
+                  </a:outerShdw>
+                </a:effectLst>
+              </a14:hiddenEffects>
+            </a:ext>
+          </a:extLst>
+        </p:spPr>
+      </p:pic>
     </p:spTree>
   </p:cSld>
   <p:clrMapOvr>
     <a:masterClrMapping/>
   </p:clrMapOvr>
+  <p:timing>
+    <p:tnLst>
+      <p:par>
+        <p:cTn id="1" dur="indefinite" restart="never" nodeType="tmRoot">
+          <p:childTnLst>
+            <p:seq concurrent="1" nextAc="seek">
+              <p:cTn id="2" dur="indefinite" nodeType="mainSeq">
+                <p:childTnLst>
+                  <p:par>
+                    <p:cTn id="3" fill="hold" nodeType="clickPar">
+                      <p:stCondLst>
+                        <p:cond delay="indefinite"/>
+                      </p:stCondLst>
+                      <p:childTnLst>
+                        <p:par>
+                          <p:cTn id="4" fill="hold" nodeType="withGroup">
+                            <p:stCondLst>
+                              <p:cond delay="0"/>
+                            </p:stCondLst>
+                            <p:childTnLst>
+                              <p:par>
+                                <p:cTn id="5" presetID="10" presetClass="entr" presetSubtype="0" fill="hold" nodeType="clickEffect">
+                                  <p:stCondLst>
+                                    <p:cond delay="0"/>
+                                  </p:stCondLst>
+                                  <p:childTnLst>
+                                    <p:set>
+                                      <p:cBhvr>
+                                        <p:cTn id="6" dur="1" fill="hold">
+                                          <p:stCondLst>
+                                            <p:cond delay="0"/>
+                                          </p:stCondLst>
+                                        </p:cTn>
+                                        <p:tgtEl>
+                                          <p:spTgt spid="548867"/>
+                                        </p:tgtEl>
+                                        <p:attrNameLst>
+                                          <p:attrName>style.visibility</p:attrName>
+                                        </p:attrNameLst>
+                                      </p:cBhvr>
+                                      <p:to>
+                                        <p:strVal val="visible"/>
+                                      </p:to>
+                                    </p:set>
+                                    <p:animEffect transition="in" filter="fade">
+                                      <p:cBhvr>
+                                        <p:cTn id="7" dur="500"/>
+                                        <p:tgtEl>
+                                          <p:spTgt spid="548867"/>
+                                        </p:tgtEl>
+                                      </p:cBhvr>
+                                    </p:animEffect>
+                                  </p:childTnLst>
+                                </p:cTn>
+                              </p:par>
+                            </p:childTnLst>
+                          </p:cTn>
+                        </p:par>
+                      </p:childTnLst>
+                    </p:cTn>
+                  </p:par>
+                </p:childTnLst>
+              </p:cTn>
+              <p:prevCondLst>
+                <p:cond evt="onPrev" delay="0">
+                  <p:tgtEl>
+                    <p:sldTgt/>
+                  </p:tgtEl>
+                </p:cond>
+              </p:prevCondLst>
+              <p:nextCondLst>
+                <p:cond evt="onNext" delay="0">
+                  <p:tgtEl>
+                    <p:sldTgt/>
+                  </p:tgtEl>
+                </p:cond>
+              </p:nextCondLst>
+            </p:seq>
+          </p:childTnLst>
+        </p:cTn>
+      </p:par>
+    </p:tnLst>
+  </p:timing>
 </p:sld>
 </file>
 
